--- a/100521 - DQM Commercial Customer Pre-UAT Analysis UPDATED.pptx
+++ b/100521 - DQM Commercial Customer Pre-UAT Analysis UPDATED.pptx
@@ -1999,7 +1999,7 @@
           <a:p>
             <a:fld id="{DC0BE112-10A7-4BBE-91B9-1C357E127A24}" type="datetimeFigureOut">
               <a:rPr lang="en-US" smtClean="0"/>
-              <a:t>5/11/21</a:t>
+              <a:t>5/17/2021</a:t>
             </a:fld>
             <a:endParaRPr lang="en-US"/>
           </a:p>
@@ -2176,7 +2176,7 @@
           <a:p>
             <a:fld id="{72984510-EBD7-4DD0-9EAB-33E0103038A4}" type="datetimeFigureOut">
               <a:rPr lang="en-US" smtClean="0"/>
-              <a:t>5/11/21</a:t>
+              <a:t>5/17/2021</a:t>
             </a:fld>
             <a:endParaRPr lang="en-US"/>
           </a:p>
@@ -12991,7 +12991,7 @@
         <p:spPr>
           <a:xfrm>
             <a:off x="7374468" y="4489783"/>
-            <a:ext cx="1701800" cy="1569660"/>
+            <a:ext cx="1701800" cy="1938992"/>
           </a:xfrm>
           <a:prstGeom prst="rect">
             <a:avLst/>
@@ -13015,7 +13015,7 @@
             </a:pPr>
             <a:r>
               <a:rPr lang="en-US" sz="1200" dirty="0"/>
-              <a:t>INACTIVE = CLOSE PERIOD DISABLED</a:t>
+              <a:t>ACTIVE/INACTIVE = CLOSE PERIOD DISABLED grey out</a:t>
             </a:r>
           </a:p>
           <a:p>
@@ -13024,7 +13024,19 @@
             </a:pPr>
             <a:r>
               <a:rPr lang="en-US" sz="1200" dirty="0"/>
-              <a:t>TEMPORARILY CLOSED = CLOSE PERIOD mandatory</a:t>
+              <a:t>TEMPORARILY CLOSED = All fields mandatory with adding </a:t>
+            </a:r>
+            <a:r>
+              <a:rPr lang="en-US" sz="1200" dirty="0">
+                <a:solidFill>
+                  <a:srgbClr val="FF0000"/>
+                </a:solidFill>
+              </a:rPr>
+              <a:t>*</a:t>
+            </a:r>
+            <a:r>
+              <a:rPr lang="en-US" sz="1200" dirty="0"/>
+              <a:t> red</a:t>
             </a:r>
           </a:p>
         </p:txBody>
@@ -13048,7 +13060,7 @@
         <p:spPr>
           <a:xfrm>
             <a:off x="6570370" y="5243104"/>
-            <a:ext cx="804098" cy="31509"/>
+            <a:ext cx="804098" cy="216175"/>
           </a:xfrm>
           <a:prstGeom prst="straightConnector1">
             <a:avLst/>
@@ -15023,8 +15035,8 @@
         </p:nvSpPr>
         <p:spPr>
           <a:xfrm>
-            <a:off x="6883401" y="5062390"/>
-            <a:ext cx="1904999" cy="646331"/>
+            <a:off x="6883401" y="3510286"/>
+            <a:ext cx="1904999" cy="1754326"/>
           </a:xfrm>
           <a:prstGeom prst="rect">
             <a:avLst/>
@@ -15040,6 +15052,24 @@
             <a:r>
               <a:rPr lang="en-US" sz="1200" dirty="0"/>
               <a:t>Missing TM (from SAP) and RS (manual data entry) info </a:t>
+            </a:r>
+          </a:p>
+          <a:p>
+            <a:endParaRPr lang="en-US" sz="1200" dirty="0"/>
+          </a:p>
+          <a:p>
+            <a:endParaRPr lang="en-US" sz="1200" dirty="0"/>
+          </a:p>
+          <a:p>
+            <a:r>
+              <a:rPr lang="en-MY" dirty="0"/>
+              <a:t>Territory Manager</a:t>
+            </a:r>
+          </a:p>
+          <a:p>
+            <a:r>
+              <a:rPr lang="en-US" sz="1200" dirty="0"/>
+              <a:t>Should be disabled</a:t>
             </a:r>
           </a:p>
         </p:txBody>
@@ -16719,7 +16749,7 @@
         <p:spPr>
           <a:xfrm>
             <a:off x="6786945" y="2866131"/>
-            <a:ext cx="1904999" cy="830997"/>
+            <a:ext cx="1904999" cy="1569660"/>
           </a:xfrm>
           <a:prstGeom prst="rect">
             <a:avLst/>
@@ -16736,6 +16766,20 @@
               <a:rPr lang="en-US" sz="1200" dirty="0"/>
               <a:t>Number of rows is added or removed automatically as user amends product number in storage tab</a:t>
             </a:r>
+          </a:p>
+          <a:p>
+            <a:endParaRPr lang="en-US" sz="1200" dirty="0"/>
+          </a:p>
+          <a:p>
+            <a:r>
+              <a:rPr lang="en-US" sz="1200" dirty="0"/>
+              <a:t>Remove </a:t>
+            </a:r>
+            <a:r>
+              <a:rPr lang="en-MY" dirty="0"/>
+              <a:t> (QUOTA) from label</a:t>
+            </a:r>
+            <a:endParaRPr lang="en-US" sz="1200" dirty="0"/>
           </a:p>
         </p:txBody>
       </p:sp>
